--- a/10数组和指针.pptx
+++ b/10数组和指针.pptx
@@ -303,7 +303,7 @@
           <a:p>
             <a:fld id="{DCE76F9B-5546-48B0-9EA1-1BCE5DE1A632}" type="datetimeFigureOut">
               <a:rPr lang="zh-CN" altLang="en-US" smtClean="0"/>
-              <a:t>2022/2/28</a:t>
+              <a:t>2022-2-28</a:t>
             </a:fld>
             <a:endParaRPr lang="zh-CN" altLang="en-US"/>
           </a:p>
@@ -578,7 +578,7 @@
           <a:p>
             <a:fld id="{DCE76F9B-5546-48B0-9EA1-1BCE5DE1A632}" type="datetimeFigureOut">
               <a:rPr lang="zh-CN" altLang="en-US" smtClean="0"/>
-              <a:t>2022/2/28</a:t>
+              <a:t>2022-2-28</a:t>
             </a:fld>
             <a:endParaRPr lang="zh-CN" altLang="en-US"/>
           </a:p>
@@ -772,7 +772,7 @@
           <a:p>
             <a:fld id="{DCE76F9B-5546-48B0-9EA1-1BCE5DE1A632}" type="datetimeFigureOut">
               <a:rPr lang="zh-CN" altLang="en-US" smtClean="0"/>
-              <a:t>2022/2/28</a:t>
+              <a:t>2022-2-28</a:t>
             </a:fld>
             <a:endParaRPr lang="zh-CN" altLang="en-US"/>
           </a:p>
@@ -1045,7 +1045,7 @@
           <a:p>
             <a:fld id="{DCE76F9B-5546-48B0-9EA1-1BCE5DE1A632}" type="datetimeFigureOut">
               <a:rPr lang="zh-CN" altLang="en-US" smtClean="0"/>
-              <a:t>2022/2/28</a:t>
+              <a:t>2022-2-28</a:t>
             </a:fld>
             <a:endParaRPr lang="zh-CN" altLang="en-US"/>
           </a:p>
@@ -1386,7 +1386,7 @@
           <a:p>
             <a:fld id="{DCE76F9B-5546-48B0-9EA1-1BCE5DE1A632}" type="datetimeFigureOut">
               <a:rPr lang="zh-CN" altLang="en-US" smtClean="0"/>
-              <a:t>2022/2/28</a:t>
+              <a:t>2022-2-28</a:t>
             </a:fld>
             <a:endParaRPr lang="zh-CN" altLang="en-US"/>
           </a:p>
@@ -2009,7 +2009,7 @@
           <a:p>
             <a:fld id="{DCE76F9B-5546-48B0-9EA1-1BCE5DE1A632}" type="datetimeFigureOut">
               <a:rPr lang="zh-CN" altLang="en-US" smtClean="0"/>
-              <a:t>2022/2/28</a:t>
+              <a:t>2022-2-28</a:t>
             </a:fld>
             <a:endParaRPr lang="zh-CN" altLang="en-US"/>
           </a:p>
@@ -2869,7 +2869,7 @@
           <a:p>
             <a:fld id="{DCE76F9B-5546-48B0-9EA1-1BCE5DE1A632}" type="datetimeFigureOut">
               <a:rPr lang="zh-CN" altLang="en-US" smtClean="0"/>
-              <a:t>2022/2/28</a:t>
+              <a:t>2022-2-28</a:t>
             </a:fld>
             <a:endParaRPr lang="zh-CN" altLang="en-US"/>
           </a:p>
@@ -3039,7 +3039,7 @@
           <a:p>
             <a:fld id="{DCE76F9B-5546-48B0-9EA1-1BCE5DE1A632}" type="datetimeFigureOut">
               <a:rPr lang="zh-CN" altLang="en-US" smtClean="0"/>
-              <a:t>2022/2/28</a:t>
+              <a:t>2022-2-28</a:t>
             </a:fld>
             <a:endParaRPr lang="zh-CN" altLang="en-US"/>
           </a:p>
@@ -3219,7 +3219,7 @@
           <a:p>
             <a:fld id="{DCE76F9B-5546-48B0-9EA1-1BCE5DE1A632}" type="datetimeFigureOut">
               <a:rPr lang="zh-CN" altLang="en-US" smtClean="0"/>
-              <a:t>2022/2/28</a:t>
+              <a:t>2022-2-28</a:t>
             </a:fld>
             <a:endParaRPr lang="zh-CN" altLang="en-US"/>
           </a:p>
@@ -3389,7 +3389,7 @@
           <a:p>
             <a:fld id="{DCE76F9B-5546-48B0-9EA1-1BCE5DE1A632}" type="datetimeFigureOut">
               <a:rPr lang="zh-CN" altLang="en-US" smtClean="0"/>
-              <a:t>2022/2/28</a:t>
+              <a:t>2022-2-28</a:t>
             </a:fld>
             <a:endParaRPr lang="zh-CN" altLang="en-US"/>
           </a:p>
@@ -3636,7 +3636,7 @@
           <a:p>
             <a:fld id="{DCE76F9B-5546-48B0-9EA1-1BCE5DE1A632}" type="datetimeFigureOut">
               <a:rPr lang="zh-CN" altLang="en-US" smtClean="0"/>
-              <a:t>2022/2/28</a:t>
+              <a:t>2022-2-28</a:t>
             </a:fld>
             <a:endParaRPr lang="zh-CN" altLang="en-US"/>
           </a:p>
@@ -3928,7 +3928,7 @@
           <a:p>
             <a:fld id="{DCE76F9B-5546-48B0-9EA1-1BCE5DE1A632}" type="datetimeFigureOut">
               <a:rPr lang="zh-CN" altLang="en-US" smtClean="0"/>
-              <a:t>2022/2/28</a:t>
+              <a:t>2022-2-28</a:t>
             </a:fld>
             <a:endParaRPr lang="zh-CN" altLang="en-US"/>
           </a:p>
@@ -4372,7 +4372,7 @@
           <a:p>
             <a:fld id="{DCE76F9B-5546-48B0-9EA1-1BCE5DE1A632}" type="datetimeFigureOut">
               <a:rPr lang="zh-CN" altLang="en-US" smtClean="0"/>
-              <a:t>2022/2/28</a:t>
+              <a:t>2022-2-28</a:t>
             </a:fld>
             <a:endParaRPr lang="zh-CN" altLang="en-US"/>
           </a:p>
@@ -4490,7 +4490,7 @@
           <a:p>
             <a:fld id="{DCE76F9B-5546-48B0-9EA1-1BCE5DE1A632}" type="datetimeFigureOut">
               <a:rPr lang="zh-CN" altLang="en-US" smtClean="0"/>
-              <a:t>2022/2/28</a:t>
+              <a:t>2022-2-28</a:t>
             </a:fld>
             <a:endParaRPr lang="zh-CN" altLang="en-US"/>
           </a:p>
@@ -4585,7 +4585,7 @@
           <a:p>
             <a:fld id="{DCE76F9B-5546-48B0-9EA1-1BCE5DE1A632}" type="datetimeFigureOut">
               <a:rPr lang="zh-CN" altLang="en-US" smtClean="0"/>
-              <a:t>2022/2/28</a:t>
+              <a:t>2022-2-28</a:t>
             </a:fld>
             <a:endParaRPr lang="zh-CN" altLang="en-US"/>
           </a:p>
@@ -4864,7 +4864,7 @@
           <a:p>
             <a:fld id="{DCE76F9B-5546-48B0-9EA1-1BCE5DE1A632}" type="datetimeFigureOut">
               <a:rPr lang="zh-CN" altLang="en-US" smtClean="0"/>
-              <a:t>2022/2/28</a:t>
+              <a:t>2022-2-28</a:t>
             </a:fld>
             <a:endParaRPr lang="zh-CN" altLang="en-US"/>
           </a:p>
@@ -5139,7 +5139,7 @@
           <a:p>
             <a:fld id="{DCE76F9B-5546-48B0-9EA1-1BCE5DE1A632}" type="datetimeFigureOut">
               <a:rPr lang="zh-CN" altLang="en-US" smtClean="0"/>
-              <a:t>2022/2/28</a:t>
+              <a:t>2022-2-28</a:t>
             </a:fld>
             <a:endParaRPr lang="zh-CN" altLang="en-US"/>
           </a:p>
@@ -5568,7 +5568,7 @@
           <a:p>
             <a:fld id="{DCE76F9B-5546-48B0-9EA1-1BCE5DE1A632}" type="datetimeFigureOut">
               <a:rPr lang="zh-CN" altLang="en-US" smtClean="0"/>
-              <a:t>2022/2/28</a:t>
+              <a:t>2022-2-28</a:t>
             </a:fld>
             <a:endParaRPr lang="zh-CN" altLang="en-US"/>
           </a:p>
@@ -6167,9 +6167,12 @@
             </a:r>
           </a:p>
           <a:p>
+            <a:pPr marL="0" indent="0">
+              <a:buNone/>
+            </a:pPr>
             <a:r>
               <a:rPr lang="en-US" altLang="zh-CN" dirty="0"/>
-              <a:t>	</a:t>
+              <a:t>       </a:t>
             </a:r>
             <a:r>
               <a:rPr lang="zh-CN" altLang="en-US" dirty="0"/>
@@ -6189,6 +6192,9 @@
             <a:endParaRPr lang="en-US" altLang="zh-CN" dirty="0"/>
           </a:p>
           <a:p>
+            <a:pPr marL="0" indent="0">
+              <a:buNone/>
+            </a:pPr>
             <a:r>
               <a:rPr lang="en-US" altLang="zh-CN" dirty="0"/>
               <a:t>	</a:t>
@@ -6200,6 +6206,9 @@
             <a:endParaRPr lang="en-US" altLang="zh-CN" dirty="0"/>
           </a:p>
           <a:p>
+            <a:pPr marL="0" indent="0">
+              <a:buNone/>
+            </a:pPr>
             <a:r>
               <a:rPr lang="en-US" altLang="zh-CN" dirty="0"/>
               <a:t>	</a:t>
@@ -6211,6 +6220,9 @@
             <a:endParaRPr lang="en-US" altLang="zh-CN" dirty="0"/>
           </a:p>
           <a:p>
+            <a:pPr marL="0" indent="0">
+              <a:buNone/>
+            </a:pPr>
             <a:r>
               <a:rPr lang="en-US" altLang="zh-CN" dirty="0"/>
               <a:t>	</a:t>
@@ -7632,19 +7644,54 @@
             <p:ph type="title"/>
           </p:nvPr>
         </p:nvSpPr>
-        <p:spPr/>
+        <p:spPr>
+          <a:xfrm>
+            <a:off x="646111" y="452718"/>
+            <a:ext cx="9404723" cy="905565"/>
+          </a:xfrm>
+        </p:spPr>
         <p:txBody>
           <a:bodyPr/>
           <a:lstStyle/>
           <a:p>
             <a:r>
-              <a:rPr lang="en-US" altLang="zh-CN" dirty="0"/>
+              <a:rPr lang="en-US" altLang="zh-CN" sz="2400" dirty="0"/>
               <a:t>10.2 </a:t>
             </a:r>
             <a:r>
-              <a:rPr lang="zh-CN" altLang="en-US" dirty="0"/>
+              <a:rPr lang="zh-CN" altLang="en-US" sz="2400" dirty="0"/>
               <a:t>多维数组</a:t>
             </a:r>
+            <a:br>
+              <a:rPr lang="en-US" altLang="zh-CN" sz="2400" dirty="0"/>
+            </a:br>
+            <a:r>
+              <a:rPr lang="en-US" altLang="zh-CN" sz="2400" dirty="0"/>
+              <a:t>	</a:t>
+            </a:r>
+            <a:r>
+              <a:rPr lang="zh-CN" altLang="en-US" sz="1600" dirty="0"/>
+              <a:t>需要创建几组元素个数相同的一维数组时，就出现二维数组</a:t>
+            </a:r>
+            <a:br>
+              <a:rPr lang="en-US" altLang="zh-CN" sz="1600" dirty="0"/>
+            </a:br>
+            <a:r>
+              <a:rPr lang="en-US" altLang="zh-CN" sz="1600" dirty="0"/>
+              <a:t>	</a:t>
+            </a:r>
+            <a:r>
+              <a:rPr lang="zh-CN" altLang="en-US" sz="1600" dirty="0"/>
+              <a:t>当创建几组元素个数相同的二维数组时，就出现三维数组</a:t>
+            </a:r>
+            <a:br>
+              <a:rPr lang="en-US" altLang="zh-CN" sz="1600" dirty="0"/>
+            </a:br>
+            <a:r>
+              <a:rPr lang="en-US" altLang="zh-CN" sz="2400" dirty="0"/>
+              <a:t>	</a:t>
+            </a:r>
+            <a:endParaRPr lang="zh-CN" altLang="en-US" sz="2400" dirty="0"/>
           </a:p>
         </p:txBody>
       </p:sp>
@@ -7664,11 +7711,37 @@
             <p:ph idx="1"/>
           </p:nvPr>
         </p:nvSpPr>
-        <p:spPr/>
+        <p:spPr>
+          <a:xfrm>
+            <a:off x="1103312" y="1677880"/>
+            <a:ext cx="8946541" cy="4570520"/>
+          </a:xfrm>
+        </p:spPr>
         <p:txBody>
           <a:bodyPr/>
           <a:lstStyle/>
           <a:p>
+            <a:pPr marL="0" indent="0">
+              <a:buNone/>
+            </a:pPr>
+            <a:r>
+              <a:rPr lang="en-US" altLang="zh-CN" dirty="0"/>
+              <a:t>10.2.1 </a:t>
+            </a:r>
+            <a:r>
+              <a:rPr lang="zh-CN" altLang="en-US" dirty="0"/>
+              <a:t>初始化二维数组</a:t>
+            </a:r>
+            <a:endParaRPr lang="en-US" altLang="zh-CN" dirty="0"/>
+          </a:p>
+          <a:p>
+            <a:pPr marL="0" indent="0">
+              <a:buNone/>
+            </a:pPr>
+            <a:r>
+              <a:rPr lang="en-US" altLang="zh-CN" dirty="0"/>
+              <a:t>	</a:t>
+            </a:r>
             <a:endParaRPr lang="zh-CN" altLang="en-US" dirty="0"/>
           </a:p>
         </p:txBody>
